--- a/ppt 16-9/1217.新年万象更新.pptx
+++ b/ppt 16-9/1217.新年万象更新.pptx
@@ -5,7 +5,7 @@
     <p:sldMasterId id="2147483648" r:id="rId1"/>
   </p:sldMasterIdLst>
   <p:sldIdLst>
-    <p:sldId id="747" r:id="rId2"/>
+    <p:sldId id="749" r:id="rId2"/>
   </p:sldIdLst>
   <p:sldSz cx="12192000" cy="6858000"/>
   <p:notesSz cx="6858000" cy="9144000"/>
@@ -129,7 +129,7 @@
           <p:cNvPr id="2" name="标题 1">
             <a:extLst>
               <a:ext uri="{FF2B5EF4-FFF2-40B4-BE49-F238E27FC236}">
-                <a16:creationId xmlns:a16="http://schemas.microsoft.com/office/drawing/2014/main" id="{D2A8E255-988F-16DB-3649-13E615DC2727}"/>
+                <a16:creationId xmlns:a16="http://schemas.microsoft.com/office/drawing/2014/main" id="{C5BFB24E-FD15-FA04-3B40-B543067AC14B}"/>
               </a:ext>
             </a:extLst>
           </p:cNvPr>
@@ -166,7 +166,7 @@
           <p:cNvPr id="3" name="副标题 2">
             <a:extLst>
               <a:ext uri="{FF2B5EF4-FFF2-40B4-BE49-F238E27FC236}">
-                <a16:creationId xmlns:a16="http://schemas.microsoft.com/office/drawing/2014/main" id="{D3F65B47-8D43-B1D8-D9E0-EB739DA28F4F}"/>
+                <a16:creationId xmlns:a16="http://schemas.microsoft.com/office/drawing/2014/main" id="{C7DFDB40-22EA-1141-7B8A-C0BDE40E42E0}"/>
               </a:ext>
             </a:extLst>
           </p:cNvPr>
@@ -236,7 +236,7 @@
           <p:cNvPr id="4" name="日期占位符 3">
             <a:extLst>
               <a:ext uri="{FF2B5EF4-FFF2-40B4-BE49-F238E27FC236}">
-                <a16:creationId xmlns:a16="http://schemas.microsoft.com/office/drawing/2014/main" id="{293DD47F-8C9C-019D-9BE3-17D71C70A347}"/>
+                <a16:creationId xmlns:a16="http://schemas.microsoft.com/office/drawing/2014/main" id="{8049B638-9552-F81C-8ABA-C713F2053C7E}"/>
               </a:ext>
             </a:extLst>
           </p:cNvPr>
@@ -252,7 +252,7 @@
           <a:bodyPr/>
           <a:lstStyle/>
           <a:p>
-            <a:fld id="{E6B394AB-3116-432A-A8F2-1161693CFFD1}" type="datetimeFigureOut">
+            <a:fld id="{FA3C567C-87BE-4712-96F4-FE79B5E91CCF}" type="datetimeFigureOut">
               <a:rPr lang="zh-CN" altLang="en-US" smtClean="0"/>
               <a:t>2024/3/10</a:t>
             </a:fld>
@@ -265,7 +265,7 @@
           <p:cNvPr id="5" name="页脚占位符 4">
             <a:extLst>
               <a:ext uri="{FF2B5EF4-FFF2-40B4-BE49-F238E27FC236}">
-                <a16:creationId xmlns:a16="http://schemas.microsoft.com/office/drawing/2014/main" id="{33035482-4EF2-87D9-73B1-35C3A9A9499D}"/>
+                <a16:creationId xmlns:a16="http://schemas.microsoft.com/office/drawing/2014/main" id="{8BC6FFE1-2C09-3360-A925-AC7CECBA06E8}"/>
               </a:ext>
             </a:extLst>
           </p:cNvPr>
@@ -290,7 +290,7 @@
           <p:cNvPr id="6" name="灯片编号占位符 5">
             <a:extLst>
               <a:ext uri="{FF2B5EF4-FFF2-40B4-BE49-F238E27FC236}">
-                <a16:creationId xmlns:a16="http://schemas.microsoft.com/office/drawing/2014/main" id="{A988D7C9-7C4E-38C5-7B5B-1C414B4D6797}"/>
+                <a16:creationId xmlns:a16="http://schemas.microsoft.com/office/drawing/2014/main" id="{F0AA59E5-0660-6556-11B1-FFF18DCA143A}"/>
               </a:ext>
             </a:extLst>
           </p:cNvPr>
@@ -306,7 +306,7 @@
           <a:bodyPr/>
           <a:lstStyle/>
           <a:p>
-            <a:fld id="{0E39D8F5-2C62-4ADF-B500-9C9026BF69EB}" type="slidenum">
+            <a:fld id="{772E7358-EB31-4A96-B3EB-628E302962A0}" type="slidenum">
               <a:rPr lang="zh-CN" altLang="en-US" smtClean="0"/>
               <a:t>‹#›</a:t>
             </a:fld>
@@ -317,7 +317,7 @@
     </p:spTree>
     <p:extLst>
       <p:ext uri="{BB962C8B-B14F-4D97-AF65-F5344CB8AC3E}">
-        <p14:creationId xmlns:p14="http://schemas.microsoft.com/office/powerpoint/2010/main" val="1934495047"/>
+        <p14:creationId xmlns:p14="http://schemas.microsoft.com/office/powerpoint/2010/main" val="314651669"/>
       </p:ext>
     </p:extLst>
   </p:cSld>
@@ -349,7 +349,7 @@
           <p:cNvPr id="2" name="标题 1">
             <a:extLst>
               <a:ext uri="{FF2B5EF4-FFF2-40B4-BE49-F238E27FC236}">
-                <a16:creationId xmlns:a16="http://schemas.microsoft.com/office/drawing/2014/main" id="{A700F771-DEC4-233C-9697-2C6D5016E897}"/>
+                <a16:creationId xmlns:a16="http://schemas.microsoft.com/office/drawing/2014/main" id="{DC43A11B-8FF2-0A3D-02BA-A8A197255D89}"/>
               </a:ext>
             </a:extLst>
           </p:cNvPr>
@@ -377,7 +377,7 @@
           <p:cNvPr id="3" name="竖排文字占位符 2">
             <a:extLst>
               <a:ext uri="{FF2B5EF4-FFF2-40B4-BE49-F238E27FC236}">
-                <a16:creationId xmlns:a16="http://schemas.microsoft.com/office/drawing/2014/main" id="{A22903F2-5775-3C51-6969-95A1B3020EEA}"/>
+                <a16:creationId xmlns:a16="http://schemas.microsoft.com/office/drawing/2014/main" id="{8C67CD34-E78D-77C1-570C-65057E74EB52}"/>
               </a:ext>
             </a:extLst>
           </p:cNvPr>
@@ -434,7 +434,7 @@
           <p:cNvPr id="4" name="日期占位符 3">
             <a:extLst>
               <a:ext uri="{FF2B5EF4-FFF2-40B4-BE49-F238E27FC236}">
-                <a16:creationId xmlns:a16="http://schemas.microsoft.com/office/drawing/2014/main" id="{67EF54FA-5F8C-B8F6-513A-F01996C6FA98}"/>
+                <a16:creationId xmlns:a16="http://schemas.microsoft.com/office/drawing/2014/main" id="{84617260-EFA8-2F0C-7A94-33E4E81C48A5}"/>
               </a:ext>
             </a:extLst>
           </p:cNvPr>
@@ -450,7 +450,7 @@
           <a:bodyPr/>
           <a:lstStyle/>
           <a:p>
-            <a:fld id="{E6B394AB-3116-432A-A8F2-1161693CFFD1}" type="datetimeFigureOut">
+            <a:fld id="{FA3C567C-87BE-4712-96F4-FE79B5E91CCF}" type="datetimeFigureOut">
               <a:rPr lang="zh-CN" altLang="en-US" smtClean="0"/>
               <a:t>2024/3/10</a:t>
             </a:fld>
@@ -463,7 +463,7 @@
           <p:cNvPr id="5" name="页脚占位符 4">
             <a:extLst>
               <a:ext uri="{FF2B5EF4-FFF2-40B4-BE49-F238E27FC236}">
-                <a16:creationId xmlns:a16="http://schemas.microsoft.com/office/drawing/2014/main" id="{1513C511-952F-F276-C7F3-5171BA6C6159}"/>
+                <a16:creationId xmlns:a16="http://schemas.microsoft.com/office/drawing/2014/main" id="{56CD0BEB-17DA-AD07-5DBA-88D8C66A317C}"/>
               </a:ext>
             </a:extLst>
           </p:cNvPr>
@@ -488,7 +488,7 @@
           <p:cNvPr id="6" name="灯片编号占位符 5">
             <a:extLst>
               <a:ext uri="{FF2B5EF4-FFF2-40B4-BE49-F238E27FC236}">
-                <a16:creationId xmlns:a16="http://schemas.microsoft.com/office/drawing/2014/main" id="{85D47A18-CB7D-F37E-EEB2-686B31BB7A9A}"/>
+                <a16:creationId xmlns:a16="http://schemas.microsoft.com/office/drawing/2014/main" id="{A0AA325C-12B7-73EF-FA55-19883467CA2A}"/>
               </a:ext>
             </a:extLst>
           </p:cNvPr>
@@ -504,7 +504,7 @@
           <a:bodyPr/>
           <a:lstStyle/>
           <a:p>
-            <a:fld id="{0E39D8F5-2C62-4ADF-B500-9C9026BF69EB}" type="slidenum">
+            <a:fld id="{772E7358-EB31-4A96-B3EB-628E302962A0}" type="slidenum">
               <a:rPr lang="zh-CN" altLang="en-US" smtClean="0"/>
               <a:t>‹#›</a:t>
             </a:fld>
@@ -515,7 +515,7 @@
     </p:spTree>
     <p:extLst>
       <p:ext uri="{BB962C8B-B14F-4D97-AF65-F5344CB8AC3E}">
-        <p14:creationId xmlns:p14="http://schemas.microsoft.com/office/powerpoint/2010/main" val="1945414508"/>
+        <p14:creationId xmlns:p14="http://schemas.microsoft.com/office/powerpoint/2010/main" val="1686706541"/>
       </p:ext>
     </p:extLst>
   </p:cSld>
@@ -547,7 +547,7 @@
           <p:cNvPr id="2" name="竖排标题 1">
             <a:extLst>
               <a:ext uri="{FF2B5EF4-FFF2-40B4-BE49-F238E27FC236}">
-                <a16:creationId xmlns:a16="http://schemas.microsoft.com/office/drawing/2014/main" id="{B07CACF8-C838-DCE2-BC68-DE0C0E433FF8}"/>
+                <a16:creationId xmlns:a16="http://schemas.microsoft.com/office/drawing/2014/main" id="{A9A53536-F83B-CDCA-B07F-8DDA0471051E}"/>
               </a:ext>
             </a:extLst>
           </p:cNvPr>
@@ -580,7 +580,7 @@
           <p:cNvPr id="3" name="竖排文字占位符 2">
             <a:extLst>
               <a:ext uri="{FF2B5EF4-FFF2-40B4-BE49-F238E27FC236}">
-                <a16:creationId xmlns:a16="http://schemas.microsoft.com/office/drawing/2014/main" id="{C5B14862-BE7D-1FFB-34D4-9A0A6D1AD306}"/>
+                <a16:creationId xmlns:a16="http://schemas.microsoft.com/office/drawing/2014/main" id="{489F8A45-3D12-5D14-0880-C8F05E2E5DE5}"/>
               </a:ext>
             </a:extLst>
           </p:cNvPr>
@@ -642,7 +642,7 @@
           <p:cNvPr id="4" name="日期占位符 3">
             <a:extLst>
               <a:ext uri="{FF2B5EF4-FFF2-40B4-BE49-F238E27FC236}">
-                <a16:creationId xmlns:a16="http://schemas.microsoft.com/office/drawing/2014/main" id="{66F282CD-903D-FA19-CA59-2663A8076424}"/>
+                <a16:creationId xmlns:a16="http://schemas.microsoft.com/office/drawing/2014/main" id="{298C1D84-31DF-2A43-7590-D398F87C4960}"/>
               </a:ext>
             </a:extLst>
           </p:cNvPr>
@@ -658,7 +658,7 @@
           <a:bodyPr/>
           <a:lstStyle/>
           <a:p>
-            <a:fld id="{E6B394AB-3116-432A-A8F2-1161693CFFD1}" type="datetimeFigureOut">
+            <a:fld id="{FA3C567C-87BE-4712-96F4-FE79B5E91CCF}" type="datetimeFigureOut">
               <a:rPr lang="zh-CN" altLang="en-US" smtClean="0"/>
               <a:t>2024/3/10</a:t>
             </a:fld>
@@ -671,7 +671,7 @@
           <p:cNvPr id="5" name="页脚占位符 4">
             <a:extLst>
               <a:ext uri="{FF2B5EF4-FFF2-40B4-BE49-F238E27FC236}">
-                <a16:creationId xmlns:a16="http://schemas.microsoft.com/office/drawing/2014/main" id="{1E326632-5AEF-92FF-C826-268704DE882A}"/>
+                <a16:creationId xmlns:a16="http://schemas.microsoft.com/office/drawing/2014/main" id="{6B46110F-AA6C-1335-F5E6-9E2D8CACCD51}"/>
               </a:ext>
             </a:extLst>
           </p:cNvPr>
@@ -696,7 +696,7 @@
           <p:cNvPr id="6" name="灯片编号占位符 5">
             <a:extLst>
               <a:ext uri="{FF2B5EF4-FFF2-40B4-BE49-F238E27FC236}">
-                <a16:creationId xmlns:a16="http://schemas.microsoft.com/office/drawing/2014/main" id="{E28C4CBA-753E-84BE-0482-834AEB3E13E2}"/>
+                <a16:creationId xmlns:a16="http://schemas.microsoft.com/office/drawing/2014/main" id="{743145B5-F04E-C199-8863-D466EB8D6491}"/>
               </a:ext>
             </a:extLst>
           </p:cNvPr>
@@ -712,7 +712,7 @@
           <a:bodyPr/>
           <a:lstStyle/>
           <a:p>
-            <a:fld id="{0E39D8F5-2C62-4ADF-B500-9C9026BF69EB}" type="slidenum">
+            <a:fld id="{772E7358-EB31-4A96-B3EB-628E302962A0}" type="slidenum">
               <a:rPr lang="zh-CN" altLang="en-US" smtClean="0"/>
               <a:t>‹#›</a:t>
             </a:fld>
@@ -723,7 +723,7 @@
     </p:spTree>
     <p:extLst>
       <p:ext uri="{BB962C8B-B14F-4D97-AF65-F5344CB8AC3E}">
-        <p14:creationId xmlns:p14="http://schemas.microsoft.com/office/powerpoint/2010/main" val="3446369877"/>
+        <p14:creationId xmlns:p14="http://schemas.microsoft.com/office/powerpoint/2010/main" val="1108140919"/>
       </p:ext>
     </p:extLst>
   </p:cSld>
@@ -755,7 +755,7 @@
           <p:cNvPr id="2" name="标题 1">
             <a:extLst>
               <a:ext uri="{FF2B5EF4-FFF2-40B4-BE49-F238E27FC236}">
-                <a16:creationId xmlns:a16="http://schemas.microsoft.com/office/drawing/2014/main" id="{F06B70B7-E833-A29D-527B-F653BE682025}"/>
+                <a16:creationId xmlns:a16="http://schemas.microsoft.com/office/drawing/2014/main" id="{827623BC-59DB-10FF-DBB3-B792CE94218E}"/>
               </a:ext>
             </a:extLst>
           </p:cNvPr>
@@ -783,7 +783,7 @@
           <p:cNvPr id="3" name="内容占位符 2">
             <a:extLst>
               <a:ext uri="{FF2B5EF4-FFF2-40B4-BE49-F238E27FC236}">
-                <a16:creationId xmlns:a16="http://schemas.microsoft.com/office/drawing/2014/main" id="{E9FCDA7E-1F8E-A439-4CF5-FD89B92520F1}"/>
+                <a16:creationId xmlns:a16="http://schemas.microsoft.com/office/drawing/2014/main" id="{B45ECB1F-496E-EBD2-6836-784E88DE27A5}"/>
               </a:ext>
             </a:extLst>
           </p:cNvPr>
@@ -840,7 +840,7 @@
           <p:cNvPr id="4" name="日期占位符 3">
             <a:extLst>
               <a:ext uri="{FF2B5EF4-FFF2-40B4-BE49-F238E27FC236}">
-                <a16:creationId xmlns:a16="http://schemas.microsoft.com/office/drawing/2014/main" id="{B99FA803-9830-A5C0-4C23-3F6228199C51}"/>
+                <a16:creationId xmlns:a16="http://schemas.microsoft.com/office/drawing/2014/main" id="{50542006-121F-FF2F-229D-23A5099E7B3A}"/>
               </a:ext>
             </a:extLst>
           </p:cNvPr>
@@ -856,7 +856,7 @@
           <a:bodyPr/>
           <a:lstStyle/>
           <a:p>
-            <a:fld id="{E6B394AB-3116-432A-A8F2-1161693CFFD1}" type="datetimeFigureOut">
+            <a:fld id="{FA3C567C-87BE-4712-96F4-FE79B5E91CCF}" type="datetimeFigureOut">
               <a:rPr lang="zh-CN" altLang="en-US" smtClean="0"/>
               <a:t>2024/3/10</a:t>
             </a:fld>
@@ -869,7 +869,7 @@
           <p:cNvPr id="5" name="页脚占位符 4">
             <a:extLst>
               <a:ext uri="{FF2B5EF4-FFF2-40B4-BE49-F238E27FC236}">
-                <a16:creationId xmlns:a16="http://schemas.microsoft.com/office/drawing/2014/main" id="{D51649E3-5FD0-E8A9-F529-9BCAD09B98E5}"/>
+                <a16:creationId xmlns:a16="http://schemas.microsoft.com/office/drawing/2014/main" id="{1E7A4E1D-DACE-EBD7-7A18-C007B9901391}"/>
               </a:ext>
             </a:extLst>
           </p:cNvPr>
@@ -894,7 +894,7 @@
           <p:cNvPr id="6" name="灯片编号占位符 5">
             <a:extLst>
               <a:ext uri="{FF2B5EF4-FFF2-40B4-BE49-F238E27FC236}">
-                <a16:creationId xmlns:a16="http://schemas.microsoft.com/office/drawing/2014/main" id="{B5584CC9-E6C5-279B-0F36-AAF2B4BA14DD}"/>
+                <a16:creationId xmlns:a16="http://schemas.microsoft.com/office/drawing/2014/main" id="{B2677530-4CEC-9763-D85B-2FF3724DA2F3}"/>
               </a:ext>
             </a:extLst>
           </p:cNvPr>
@@ -910,7 +910,7 @@
           <a:bodyPr/>
           <a:lstStyle/>
           <a:p>
-            <a:fld id="{0E39D8F5-2C62-4ADF-B500-9C9026BF69EB}" type="slidenum">
+            <a:fld id="{772E7358-EB31-4A96-B3EB-628E302962A0}" type="slidenum">
               <a:rPr lang="zh-CN" altLang="en-US" smtClean="0"/>
               <a:t>‹#›</a:t>
             </a:fld>
@@ -921,7 +921,7 @@
     </p:spTree>
     <p:extLst>
       <p:ext uri="{BB962C8B-B14F-4D97-AF65-F5344CB8AC3E}">
-        <p14:creationId xmlns:p14="http://schemas.microsoft.com/office/powerpoint/2010/main" val="2960757831"/>
+        <p14:creationId xmlns:p14="http://schemas.microsoft.com/office/powerpoint/2010/main" val="4039312408"/>
       </p:ext>
     </p:extLst>
   </p:cSld>
@@ -953,7 +953,7 @@
           <p:cNvPr id="2" name="标题 1">
             <a:extLst>
               <a:ext uri="{FF2B5EF4-FFF2-40B4-BE49-F238E27FC236}">
-                <a16:creationId xmlns:a16="http://schemas.microsoft.com/office/drawing/2014/main" id="{08EA08A7-306B-01D1-E517-216D88290031}"/>
+                <a16:creationId xmlns:a16="http://schemas.microsoft.com/office/drawing/2014/main" id="{77E5B866-1B60-CED6-40B3-29AE6322E3EC}"/>
               </a:ext>
             </a:extLst>
           </p:cNvPr>
@@ -990,7 +990,7 @@
           <p:cNvPr id="3" name="文本占位符 2">
             <a:extLst>
               <a:ext uri="{FF2B5EF4-FFF2-40B4-BE49-F238E27FC236}">
-                <a16:creationId xmlns:a16="http://schemas.microsoft.com/office/drawing/2014/main" id="{C94166CD-C415-0231-09D5-DCD6339C0BBB}"/>
+                <a16:creationId xmlns:a16="http://schemas.microsoft.com/office/drawing/2014/main" id="{18C04559-ACC3-2C1B-8DB7-95D035D4E6CC}"/>
               </a:ext>
             </a:extLst>
           </p:cNvPr>
@@ -1115,7 +1115,7 @@
           <p:cNvPr id="4" name="日期占位符 3">
             <a:extLst>
               <a:ext uri="{FF2B5EF4-FFF2-40B4-BE49-F238E27FC236}">
-                <a16:creationId xmlns:a16="http://schemas.microsoft.com/office/drawing/2014/main" id="{177D25FB-D9C5-6848-F43F-0158A6437734}"/>
+                <a16:creationId xmlns:a16="http://schemas.microsoft.com/office/drawing/2014/main" id="{9E78AA9F-A87C-2CC9-F33D-D671799FCF70}"/>
               </a:ext>
             </a:extLst>
           </p:cNvPr>
@@ -1131,7 +1131,7 @@
           <a:bodyPr/>
           <a:lstStyle/>
           <a:p>
-            <a:fld id="{E6B394AB-3116-432A-A8F2-1161693CFFD1}" type="datetimeFigureOut">
+            <a:fld id="{FA3C567C-87BE-4712-96F4-FE79B5E91CCF}" type="datetimeFigureOut">
               <a:rPr lang="zh-CN" altLang="en-US" smtClean="0"/>
               <a:t>2024/3/10</a:t>
             </a:fld>
@@ -1144,7 +1144,7 @@
           <p:cNvPr id="5" name="页脚占位符 4">
             <a:extLst>
               <a:ext uri="{FF2B5EF4-FFF2-40B4-BE49-F238E27FC236}">
-                <a16:creationId xmlns:a16="http://schemas.microsoft.com/office/drawing/2014/main" id="{D1678E13-BBC8-2437-5FA0-2A3E7F941833}"/>
+                <a16:creationId xmlns:a16="http://schemas.microsoft.com/office/drawing/2014/main" id="{B6D51220-1A37-7250-B83A-8835710058FF}"/>
               </a:ext>
             </a:extLst>
           </p:cNvPr>
@@ -1169,7 +1169,7 @@
           <p:cNvPr id="6" name="灯片编号占位符 5">
             <a:extLst>
               <a:ext uri="{FF2B5EF4-FFF2-40B4-BE49-F238E27FC236}">
-                <a16:creationId xmlns:a16="http://schemas.microsoft.com/office/drawing/2014/main" id="{9AAB7547-F0B3-9408-0C3C-1290EA5101A7}"/>
+                <a16:creationId xmlns:a16="http://schemas.microsoft.com/office/drawing/2014/main" id="{8C9A1698-9B32-2C02-EECD-CC15FD884F99}"/>
               </a:ext>
             </a:extLst>
           </p:cNvPr>
@@ -1185,7 +1185,7 @@
           <a:bodyPr/>
           <a:lstStyle/>
           <a:p>
-            <a:fld id="{0E39D8F5-2C62-4ADF-B500-9C9026BF69EB}" type="slidenum">
+            <a:fld id="{772E7358-EB31-4A96-B3EB-628E302962A0}" type="slidenum">
               <a:rPr lang="zh-CN" altLang="en-US" smtClean="0"/>
               <a:t>‹#›</a:t>
             </a:fld>
@@ -1196,7 +1196,7 @@
     </p:spTree>
     <p:extLst>
       <p:ext uri="{BB962C8B-B14F-4D97-AF65-F5344CB8AC3E}">
-        <p14:creationId xmlns:p14="http://schemas.microsoft.com/office/powerpoint/2010/main" val="2638351305"/>
+        <p14:creationId xmlns:p14="http://schemas.microsoft.com/office/powerpoint/2010/main" val="716050818"/>
       </p:ext>
     </p:extLst>
   </p:cSld>
@@ -1228,7 +1228,7 @@
           <p:cNvPr id="2" name="标题 1">
             <a:extLst>
               <a:ext uri="{FF2B5EF4-FFF2-40B4-BE49-F238E27FC236}">
-                <a16:creationId xmlns:a16="http://schemas.microsoft.com/office/drawing/2014/main" id="{732585B5-706E-480E-6AE6-7E192C0E5705}"/>
+                <a16:creationId xmlns:a16="http://schemas.microsoft.com/office/drawing/2014/main" id="{D1657C1B-E272-D8DF-03C5-5A4649B05C1C}"/>
               </a:ext>
             </a:extLst>
           </p:cNvPr>
@@ -1256,7 +1256,7 @@
           <p:cNvPr id="3" name="内容占位符 2">
             <a:extLst>
               <a:ext uri="{FF2B5EF4-FFF2-40B4-BE49-F238E27FC236}">
-                <a16:creationId xmlns:a16="http://schemas.microsoft.com/office/drawing/2014/main" id="{3A02F08C-1A85-8A1F-6E1E-DAA1B4FB5480}"/>
+                <a16:creationId xmlns:a16="http://schemas.microsoft.com/office/drawing/2014/main" id="{A7F48986-C3BE-8DB3-0EA1-AC1022281E5F}"/>
               </a:ext>
             </a:extLst>
           </p:cNvPr>
@@ -1318,7 +1318,7 @@
           <p:cNvPr id="4" name="内容占位符 3">
             <a:extLst>
               <a:ext uri="{FF2B5EF4-FFF2-40B4-BE49-F238E27FC236}">
-                <a16:creationId xmlns:a16="http://schemas.microsoft.com/office/drawing/2014/main" id="{710C15F8-B672-5E6C-ABB1-6D8CAE172612}"/>
+                <a16:creationId xmlns:a16="http://schemas.microsoft.com/office/drawing/2014/main" id="{EA751820-72FB-1183-BF95-88C15D53D385}"/>
               </a:ext>
             </a:extLst>
           </p:cNvPr>
@@ -1380,7 +1380,7 @@
           <p:cNvPr id="5" name="日期占位符 4">
             <a:extLst>
               <a:ext uri="{FF2B5EF4-FFF2-40B4-BE49-F238E27FC236}">
-                <a16:creationId xmlns:a16="http://schemas.microsoft.com/office/drawing/2014/main" id="{59176DDA-41F9-BF9D-2FA6-BABE4BFA7B09}"/>
+                <a16:creationId xmlns:a16="http://schemas.microsoft.com/office/drawing/2014/main" id="{1659909E-8E50-9296-5119-D6E930DAFC55}"/>
               </a:ext>
             </a:extLst>
           </p:cNvPr>
@@ -1396,7 +1396,7 @@
           <a:bodyPr/>
           <a:lstStyle/>
           <a:p>
-            <a:fld id="{E6B394AB-3116-432A-A8F2-1161693CFFD1}" type="datetimeFigureOut">
+            <a:fld id="{FA3C567C-87BE-4712-96F4-FE79B5E91CCF}" type="datetimeFigureOut">
               <a:rPr lang="zh-CN" altLang="en-US" smtClean="0"/>
               <a:t>2024/3/10</a:t>
             </a:fld>
@@ -1409,7 +1409,7 @@
           <p:cNvPr id="6" name="页脚占位符 5">
             <a:extLst>
               <a:ext uri="{FF2B5EF4-FFF2-40B4-BE49-F238E27FC236}">
-                <a16:creationId xmlns:a16="http://schemas.microsoft.com/office/drawing/2014/main" id="{0A23202C-5DA6-08B2-6F64-FAA3B84D82EA}"/>
+                <a16:creationId xmlns:a16="http://schemas.microsoft.com/office/drawing/2014/main" id="{7CBBB0F2-E4F1-D916-6D23-7DE5FBD5E2DE}"/>
               </a:ext>
             </a:extLst>
           </p:cNvPr>
@@ -1434,7 +1434,7 @@
           <p:cNvPr id="7" name="灯片编号占位符 6">
             <a:extLst>
               <a:ext uri="{FF2B5EF4-FFF2-40B4-BE49-F238E27FC236}">
-                <a16:creationId xmlns:a16="http://schemas.microsoft.com/office/drawing/2014/main" id="{3B26BADC-FBA7-7585-76C4-92523BB86B8E}"/>
+                <a16:creationId xmlns:a16="http://schemas.microsoft.com/office/drawing/2014/main" id="{472390B9-E467-4F68-892F-02704026758E}"/>
               </a:ext>
             </a:extLst>
           </p:cNvPr>
@@ -1450,7 +1450,7 @@
           <a:bodyPr/>
           <a:lstStyle/>
           <a:p>
-            <a:fld id="{0E39D8F5-2C62-4ADF-B500-9C9026BF69EB}" type="slidenum">
+            <a:fld id="{772E7358-EB31-4A96-B3EB-628E302962A0}" type="slidenum">
               <a:rPr lang="zh-CN" altLang="en-US" smtClean="0"/>
               <a:t>‹#›</a:t>
             </a:fld>
@@ -1461,7 +1461,7 @@
     </p:spTree>
     <p:extLst>
       <p:ext uri="{BB962C8B-B14F-4D97-AF65-F5344CB8AC3E}">
-        <p14:creationId xmlns:p14="http://schemas.microsoft.com/office/powerpoint/2010/main" val="1071271673"/>
+        <p14:creationId xmlns:p14="http://schemas.microsoft.com/office/powerpoint/2010/main" val="3751694040"/>
       </p:ext>
     </p:extLst>
   </p:cSld>
@@ -1493,7 +1493,7 @@
           <p:cNvPr id="2" name="标题 1">
             <a:extLst>
               <a:ext uri="{FF2B5EF4-FFF2-40B4-BE49-F238E27FC236}">
-                <a16:creationId xmlns:a16="http://schemas.microsoft.com/office/drawing/2014/main" id="{502BA4E2-87C9-9F6B-06E6-EF9AB78C065C}"/>
+                <a16:creationId xmlns:a16="http://schemas.microsoft.com/office/drawing/2014/main" id="{157DA43D-B742-39E8-ED79-E45AA3FD453A}"/>
               </a:ext>
             </a:extLst>
           </p:cNvPr>
@@ -1526,7 +1526,7 @@
           <p:cNvPr id="3" name="文本占位符 2">
             <a:extLst>
               <a:ext uri="{FF2B5EF4-FFF2-40B4-BE49-F238E27FC236}">
-                <a16:creationId xmlns:a16="http://schemas.microsoft.com/office/drawing/2014/main" id="{C97E473C-1B68-34F2-BDAB-1761BFD7C6A6}"/>
+                <a16:creationId xmlns:a16="http://schemas.microsoft.com/office/drawing/2014/main" id="{7762303D-CB7A-7918-700A-68084533C409}"/>
               </a:ext>
             </a:extLst>
           </p:cNvPr>
@@ -1597,7 +1597,7 @@
           <p:cNvPr id="4" name="内容占位符 3">
             <a:extLst>
               <a:ext uri="{FF2B5EF4-FFF2-40B4-BE49-F238E27FC236}">
-                <a16:creationId xmlns:a16="http://schemas.microsoft.com/office/drawing/2014/main" id="{9587DE99-1412-9968-4B2B-C1447B5C9994}"/>
+                <a16:creationId xmlns:a16="http://schemas.microsoft.com/office/drawing/2014/main" id="{8BF261A1-B6FD-02B6-1C6C-CDB7843B34F9}"/>
               </a:ext>
             </a:extLst>
           </p:cNvPr>
@@ -1659,7 +1659,7 @@
           <p:cNvPr id="5" name="文本占位符 4">
             <a:extLst>
               <a:ext uri="{FF2B5EF4-FFF2-40B4-BE49-F238E27FC236}">
-                <a16:creationId xmlns:a16="http://schemas.microsoft.com/office/drawing/2014/main" id="{B7C4E51C-9B32-10FF-5321-CA778E6370BB}"/>
+                <a16:creationId xmlns:a16="http://schemas.microsoft.com/office/drawing/2014/main" id="{4076EF53-53A7-41B7-8F00-A17802791638}"/>
               </a:ext>
             </a:extLst>
           </p:cNvPr>
@@ -1730,7 +1730,7 @@
           <p:cNvPr id="6" name="内容占位符 5">
             <a:extLst>
               <a:ext uri="{FF2B5EF4-FFF2-40B4-BE49-F238E27FC236}">
-                <a16:creationId xmlns:a16="http://schemas.microsoft.com/office/drawing/2014/main" id="{67C1FE9D-C8B1-DCA7-78F0-98FD697571DD}"/>
+                <a16:creationId xmlns:a16="http://schemas.microsoft.com/office/drawing/2014/main" id="{807D415B-523C-6747-F31E-0CA340BD2907}"/>
               </a:ext>
             </a:extLst>
           </p:cNvPr>
@@ -1792,7 +1792,7 @@
           <p:cNvPr id="7" name="日期占位符 6">
             <a:extLst>
               <a:ext uri="{FF2B5EF4-FFF2-40B4-BE49-F238E27FC236}">
-                <a16:creationId xmlns:a16="http://schemas.microsoft.com/office/drawing/2014/main" id="{BF0EBD12-96B0-02B6-2707-5AA52914A7DA}"/>
+                <a16:creationId xmlns:a16="http://schemas.microsoft.com/office/drawing/2014/main" id="{978C6666-10FF-FF89-51A5-C4E7CF1A3B1A}"/>
               </a:ext>
             </a:extLst>
           </p:cNvPr>
@@ -1808,7 +1808,7 @@
           <a:bodyPr/>
           <a:lstStyle/>
           <a:p>
-            <a:fld id="{E6B394AB-3116-432A-A8F2-1161693CFFD1}" type="datetimeFigureOut">
+            <a:fld id="{FA3C567C-87BE-4712-96F4-FE79B5E91CCF}" type="datetimeFigureOut">
               <a:rPr lang="zh-CN" altLang="en-US" smtClean="0"/>
               <a:t>2024/3/10</a:t>
             </a:fld>
@@ -1821,7 +1821,7 @@
           <p:cNvPr id="8" name="页脚占位符 7">
             <a:extLst>
               <a:ext uri="{FF2B5EF4-FFF2-40B4-BE49-F238E27FC236}">
-                <a16:creationId xmlns:a16="http://schemas.microsoft.com/office/drawing/2014/main" id="{D1F1A6F4-CE39-7457-D52B-B942DF5CEE1D}"/>
+                <a16:creationId xmlns:a16="http://schemas.microsoft.com/office/drawing/2014/main" id="{C841C711-0F3A-ED6F-59CB-922B90490527}"/>
               </a:ext>
             </a:extLst>
           </p:cNvPr>
@@ -1846,7 +1846,7 @@
           <p:cNvPr id="9" name="灯片编号占位符 8">
             <a:extLst>
               <a:ext uri="{FF2B5EF4-FFF2-40B4-BE49-F238E27FC236}">
-                <a16:creationId xmlns:a16="http://schemas.microsoft.com/office/drawing/2014/main" id="{D2D7E13D-BF0A-B785-400C-BF2F0B9F2EF0}"/>
+                <a16:creationId xmlns:a16="http://schemas.microsoft.com/office/drawing/2014/main" id="{E2AE23E8-E1EA-ED85-6B93-24C0D441FB5C}"/>
               </a:ext>
             </a:extLst>
           </p:cNvPr>
@@ -1862,7 +1862,7 @@
           <a:bodyPr/>
           <a:lstStyle/>
           <a:p>
-            <a:fld id="{0E39D8F5-2C62-4ADF-B500-9C9026BF69EB}" type="slidenum">
+            <a:fld id="{772E7358-EB31-4A96-B3EB-628E302962A0}" type="slidenum">
               <a:rPr lang="zh-CN" altLang="en-US" smtClean="0"/>
               <a:t>‹#›</a:t>
             </a:fld>
@@ -1873,7 +1873,7 @@
     </p:spTree>
     <p:extLst>
       <p:ext uri="{BB962C8B-B14F-4D97-AF65-F5344CB8AC3E}">
-        <p14:creationId xmlns:p14="http://schemas.microsoft.com/office/powerpoint/2010/main" val="4153922073"/>
+        <p14:creationId xmlns:p14="http://schemas.microsoft.com/office/powerpoint/2010/main" val="3539383061"/>
       </p:ext>
     </p:extLst>
   </p:cSld>
@@ -1905,7 +1905,7 @@
           <p:cNvPr id="2" name="标题 1">
             <a:extLst>
               <a:ext uri="{FF2B5EF4-FFF2-40B4-BE49-F238E27FC236}">
-                <a16:creationId xmlns:a16="http://schemas.microsoft.com/office/drawing/2014/main" id="{FA71A0A2-9641-6E65-068C-A4C014575552}"/>
+                <a16:creationId xmlns:a16="http://schemas.microsoft.com/office/drawing/2014/main" id="{A3C687B7-6926-0BDC-B1D4-91DB19AA49BB}"/>
               </a:ext>
             </a:extLst>
           </p:cNvPr>
@@ -1933,7 +1933,7 @@
           <p:cNvPr id="3" name="日期占位符 2">
             <a:extLst>
               <a:ext uri="{FF2B5EF4-FFF2-40B4-BE49-F238E27FC236}">
-                <a16:creationId xmlns:a16="http://schemas.microsoft.com/office/drawing/2014/main" id="{5C26C65C-E9D1-94B8-7628-E6F5D5FBFDFE}"/>
+                <a16:creationId xmlns:a16="http://schemas.microsoft.com/office/drawing/2014/main" id="{08641BEA-908C-5C21-1182-173FDFA875DC}"/>
               </a:ext>
             </a:extLst>
           </p:cNvPr>
@@ -1949,7 +1949,7 @@
           <a:bodyPr/>
           <a:lstStyle/>
           <a:p>
-            <a:fld id="{E6B394AB-3116-432A-A8F2-1161693CFFD1}" type="datetimeFigureOut">
+            <a:fld id="{FA3C567C-87BE-4712-96F4-FE79B5E91CCF}" type="datetimeFigureOut">
               <a:rPr lang="zh-CN" altLang="en-US" smtClean="0"/>
               <a:t>2024/3/10</a:t>
             </a:fld>
@@ -1962,7 +1962,7 @@
           <p:cNvPr id="4" name="页脚占位符 3">
             <a:extLst>
               <a:ext uri="{FF2B5EF4-FFF2-40B4-BE49-F238E27FC236}">
-                <a16:creationId xmlns:a16="http://schemas.microsoft.com/office/drawing/2014/main" id="{833C60E0-6DB4-E1ED-9733-D56C1C3B2FA0}"/>
+                <a16:creationId xmlns:a16="http://schemas.microsoft.com/office/drawing/2014/main" id="{841E77AB-120F-432C-2E94-F9530A35857A}"/>
               </a:ext>
             </a:extLst>
           </p:cNvPr>
@@ -1987,7 +1987,7 @@
           <p:cNvPr id="5" name="灯片编号占位符 4">
             <a:extLst>
               <a:ext uri="{FF2B5EF4-FFF2-40B4-BE49-F238E27FC236}">
-                <a16:creationId xmlns:a16="http://schemas.microsoft.com/office/drawing/2014/main" id="{34CB38E3-A2B0-6701-BD41-60D5D79EA599}"/>
+                <a16:creationId xmlns:a16="http://schemas.microsoft.com/office/drawing/2014/main" id="{B82E1376-1264-593E-7533-865C45C3C350}"/>
               </a:ext>
             </a:extLst>
           </p:cNvPr>
@@ -2003,7 +2003,7 @@
           <a:bodyPr/>
           <a:lstStyle/>
           <a:p>
-            <a:fld id="{0E39D8F5-2C62-4ADF-B500-9C9026BF69EB}" type="slidenum">
+            <a:fld id="{772E7358-EB31-4A96-B3EB-628E302962A0}" type="slidenum">
               <a:rPr lang="zh-CN" altLang="en-US" smtClean="0"/>
               <a:t>‹#›</a:t>
             </a:fld>
@@ -2014,7 +2014,7 @@
     </p:spTree>
     <p:extLst>
       <p:ext uri="{BB962C8B-B14F-4D97-AF65-F5344CB8AC3E}">
-        <p14:creationId xmlns:p14="http://schemas.microsoft.com/office/powerpoint/2010/main" val="2248432247"/>
+        <p14:creationId xmlns:p14="http://schemas.microsoft.com/office/powerpoint/2010/main" val="756667485"/>
       </p:ext>
     </p:extLst>
   </p:cSld>
@@ -2046,7 +2046,7 @@
           <p:cNvPr id="2" name="日期占位符 1">
             <a:extLst>
               <a:ext uri="{FF2B5EF4-FFF2-40B4-BE49-F238E27FC236}">
-                <a16:creationId xmlns:a16="http://schemas.microsoft.com/office/drawing/2014/main" id="{83EA0944-365A-0383-9BF0-C9C23070936E}"/>
+                <a16:creationId xmlns:a16="http://schemas.microsoft.com/office/drawing/2014/main" id="{B134B1D4-C7CE-252E-3968-D7BD8563CEDE}"/>
               </a:ext>
             </a:extLst>
           </p:cNvPr>
@@ -2062,7 +2062,7 @@
           <a:bodyPr/>
           <a:lstStyle/>
           <a:p>
-            <a:fld id="{E6B394AB-3116-432A-A8F2-1161693CFFD1}" type="datetimeFigureOut">
+            <a:fld id="{FA3C567C-87BE-4712-96F4-FE79B5E91CCF}" type="datetimeFigureOut">
               <a:rPr lang="zh-CN" altLang="en-US" smtClean="0"/>
               <a:t>2024/3/10</a:t>
             </a:fld>
@@ -2075,7 +2075,7 @@
           <p:cNvPr id="3" name="页脚占位符 2">
             <a:extLst>
               <a:ext uri="{FF2B5EF4-FFF2-40B4-BE49-F238E27FC236}">
-                <a16:creationId xmlns:a16="http://schemas.microsoft.com/office/drawing/2014/main" id="{7BAE8049-E5F7-0735-D91C-207C713E00AC}"/>
+                <a16:creationId xmlns:a16="http://schemas.microsoft.com/office/drawing/2014/main" id="{E82C8085-DEC3-E6F6-5C96-94ACC6745FDE}"/>
               </a:ext>
             </a:extLst>
           </p:cNvPr>
@@ -2100,7 +2100,7 @@
           <p:cNvPr id="4" name="灯片编号占位符 3">
             <a:extLst>
               <a:ext uri="{FF2B5EF4-FFF2-40B4-BE49-F238E27FC236}">
-                <a16:creationId xmlns:a16="http://schemas.microsoft.com/office/drawing/2014/main" id="{06DE2AAE-E2D3-D4F6-E827-F489CC9C1658}"/>
+                <a16:creationId xmlns:a16="http://schemas.microsoft.com/office/drawing/2014/main" id="{B9BC016D-55F0-01EC-A8BA-EC1A76B4C6DC}"/>
               </a:ext>
             </a:extLst>
           </p:cNvPr>
@@ -2116,7 +2116,7 @@
           <a:bodyPr/>
           <a:lstStyle/>
           <a:p>
-            <a:fld id="{0E39D8F5-2C62-4ADF-B500-9C9026BF69EB}" type="slidenum">
+            <a:fld id="{772E7358-EB31-4A96-B3EB-628E302962A0}" type="slidenum">
               <a:rPr lang="zh-CN" altLang="en-US" smtClean="0"/>
               <a:t>‹#›</a:t>
             </a:fld>
@@ -2127,7 +2127,7 @@
     </p:spTree>
     <p:extLst>
       <p:ext uri="{BB962C8B-B14F-4D97-AF65-F5344CB8AC3E}">
-        <p14:creationId xmlns:p14="http://schemas.microsoft.com/office/powerpoint/2010/main" val="582818200"/>
+        <p14:creationId xmlns:p14="http://schemas.microsoft.com/office/powerpoint/2010/main" val="3873024617"/>
       </p:ext>
     </p:extLst>
   </p:cSld>
@@ -2159,7 +2159,7 @@
           <p:cNvPr id="2" name="标题 1">
             <a:extLst>
               <a:ext uri="{FF2B5EF4-FFF2-40B4-BE49-F238E27FC236}">
-                <a16:creationId xmlns:a16="http://schemas.microsoft.com/office/drawing/2014/main" id="{679B8C84-1848-11CF-601F-655442F30786}"/>
+                <a16:creationId xmlns:a16="http://schemas.microsoft.com/office/drawing/2014/main" id="{DA9D97E6-6754-91DA-A2D8-42C98202E5BE}"/>
               </a:ext>
             </a:extLst>
           </p:cNvPr>
@@ -2196,7 +2196,7 @@
           <p:cNvPr id="3" name="内容占位符 2">
             <a:extLst>
               <a:ext uri="{FF2B5EF4-FFF2-40B4-BE49-F238E27FC236}">
-                <a16:creationId xmlns:a16="http://schemas.microsoft.com/office/drawing/2014/main" id="{9A4CC470-EDB5-0619-D433-9545DD3D8F87}"/>
+                <a16:creationId xmlns:a16="http://schemas.microsoft.com/office/drawing/2014/main" id="{2278BB0C-141D-FEB4-B39A-3D370422C335}"/>
               </a:ext>
             </a:extLst>
           </p:cNvPr>
@@ -2286,7 +2286,7 @@
           <p:cNvPr id="4" name="文本占位符 3">
             <a:extLst>
               <a:ext uri="{FF2B5EF4-FFF2-40B4-BE49-F238E27FC236}">
-                <a16:creationId xmlns:a16="http://schemas.microsoft.com/office/drawing/2014/main" id="{70565D29-1EA6-5D85-CAF2-62ED8F64607E}"/>
+                <a16:creationId xmlns:a16="http://schemas.microsoft.com/office/drawing/2014/main" id="{FC076DBB-345C-7081-71A1-9358BB7B4FCA}"/>
               </a:ext>
             </a:extLst>
           </p:cNvPr>
@@ -2357,7 +2357,7 @@
           <p:cNvPr id="5" name="日期占位符 4">
             <a:extLst>
               <a:ext uri="{FF2B5EF4-FFF2-40B4-BE49-F238E27FC236}">
-                <a16:creationId xmlns:a16="http://schemas.microsoft.com/office/drawing/2014/main" id="{D74096B7-84AE-5FE9-0B6A-A747073737E5}"/>
+                <a16:creationId xmlns:a16="http://schemas.microsoft.com/office/drawing/2014/main" id="{D9EAF4C4-B5FB-0ED2-9D1A-5A64297DB02A}"/>
               </a:ext>
             </a:extLst>
           </p:cNvPr>
@@ -2373,7 +2373,7 @@
           <a:bodyPr/>
           <a:lstStyle/>
           <a:p>
-            <a:fld id="{E6B394AB-3116-432A-A8F2-1161693CFFD1}" type="datetimeFigureOut">
+            <a:fld id="{FA3C567C-87BE-4712-96F4-FE79B5E91CCF}" type="datetimeFigureOut">
               <a:rPr lang="zh-CN" altLang="en-US" smtClean="0"/>
               <a:t>2024/3/10</a:t>
             </a:fld>
@@ -2386,7 +2386,7 @@
           <p:cNvPr id="6" name="页脚占位符 5">
             <a:extLst>
               <a:ext uri="{FF2B5EF4-FFF2-40B4-BE49-F238E27FC236}">
-                <a16:creationId xmlns:a16="http://schemas.microsoft.com/office/drawing/2014/main" id="{2FBCC48A-3284-4660-FB35-4843D6FA8F5B}"/>
+                <a16:creationId xmlns:a16="http://schemas.microsoft.com/office/drawing/2014/main" id="{D5B01693-165B-8A6A-722A-3AB61F92C267}"/>
               </a:ext>
             </a:extLst>
           </p:cNvPr>
@@ -2411,7 +2411,7 @@
           <p:cNvPr id="7" name="灯片编号占位符 6">
             <a:extLst>
               <a:ext uri="{FF2B5EF4-FFF2-40B4-BE49-F238E27FC236}">
-                <a16:creationId xmlns:a16="http://schemas.microsoft.com/office/drawing/2014/main" id="{376F6D2A-6680-6BA6-4A91-3C8308957277}"/>
+                <a16:creationId xmlns:a16="http://schemas.microsoft.com/office/drawing/2014/main" id="{DCB6C0D4-A63F-A370-49D7-40A54682F01A}"/>
               </a:ext>
             </a:extLst>
           </p:cNvPr>
@@ -2427,7 +2427,7 @@
           <a:bodyPr/>
           <a:lstStyle/>
           <a:p>
-            <a:fld id="{0E39D8F5-2C62-4ADF-B500-9C9026BF69EB}" type="slidenum">
+            <a:fld id="{772E7358-EB31-4A96-B3EB-628E302962A0}" type="slidenum">
               <a:rPr lang="zh-CN" altLang="en-US" smtClean="0"/>
               <a:t>‹#›</a:t>
             </a:fld>
@@ -2438,7 +2438,7 @@
     </p:spTree>
     <p:extLst>
       <p:ext uri="{BB962C8B-B14F-4D97-AF65-F5344CB8AC3E}">
-        <p14:creationId xmlns:p14="http://schemas.microsoft.com/office/powerpoint/2010/main" val="3916724376"/>
+        <p14:creationId xmlns:p14="http://schemas.microsoft.com/office/powerpoint/2010/main" val="3989569645"/>
       </p:ext>
     </p:extLst>
   </p:cSld>
@@ -2470,7 +2470,7 @@
           <p:cNvPr id="2" name="标题 1">
             <a:extLst>
               <a:ext uri="{FF2B5EF4-FFF2-40B4-BE49-F238E27FC236}">
-                <a16:creationId xmlns:a16="http://schemas.microsoft.com/office/drawing/2014/main" id="{B21D0301-28D0-8DE5-81C2-3C8DA3DE0BB3}"/>
+                <a16:creationId xmlns:a16="http://schemas.microsoft.com/office/drawing/2014/main" id="{0D473033-1929-0DAA-A202-0482189F42EE}"/>
               </a:ext>
             </a:extLst>
           </p:cNvPr>
@@ -2507,7 +2507,7 @@
           <p:cNvPr id="3" name="图片占位符 2">
             <a:extLst>
               <a:ext uri="{FF2B5EF4-FFF2-40B4-BE49-F238E27FC236}">
-                <a16:creationId xmlns:a16="http://schemas.microsoft.com/office/drawing/2014/main" id="{48C65D95-471F-A5BF-3431-C64CC7B1EA11}"/>
+                <a16:creationId xmlns:a16="http://schemas.microsoft.com/office/drawing/2014/main" id="{3376F3BF-C9B6-D732-6EB2-03B26B9966EE}"/>
               </a:ext>
             </a:extLst>
           </p:cNvPr>
@@ -2574,7 +2574,7 @@
           <p:cNvPr id="4" name="文本占位符 3">
             <a:extLst>
               <a:ext uri="{FF2B5EF4-FFF2-40B4-BE49-F238E27FC236}">
-                <a16:creationId xmlns:a16="http://schemas.microsoft.com/office/drawing/2014/main" id="{F8161ECE-71BB-5909-90F0-75008F87F8BC}"/>
+                <a16:creationId xmlns:a16="http://schemas.microsoft.com/office/drawing/2014/main" id="{A18B8605-3281-8B3F-9778-E1358CD213CA}"/>
               </a:ext>
             </a:extLst>
           </p:cNvPr>
@@ -2645,7 +2645,7 @@
           <p:cNvPr id="5" name="日期占位符 4">
             <a:extLst>
               <a:ext uri="{FF2B5EF4-FFF2-40B4-BE49-F238E27FC236}">
-                <a16:creationId xmlns:a16="http://schemas.microsoft.com/office/drawing/2014/main" id="{B146582F-751D-1721-9A98-71E83FD73B87}"/>
+                <a16:creationId xmlns:a16="http://schemas.microsoft.com/office/drawing/2014/main" id="{37390CA0-570B-CD52-3987-5EF0A37490AB}"/>
               </a:ext>
             </a:extLst>
           </p:cNvPr>
@@ -2661,7 +2661,7 @@
           <a:bodyPr/>
           <a:lstStyle/>
           <a:p>
-            <a:fld id="{E6B394AB-3116-432A-A8F2-1161693CFFD1}" type="datetimeFigureOut">
+            <a:fld id="{FA3C567C-87BE-4712-96F4-FE79B5E91CCF}" type="datetimeFigureOut">
               <a:rPr lang="zh-CN" altLang="en-US" smtClean="0"/>
               <a:t>2024/3/10</a:t>
             </a:fld>
@@ -2674,7 +2674,7 @@
           <p:cNvPr id="6" name="页脚占位符 5">
             <a:extLst>
               <a:ext uri="{FF2B5EF4-FFF2-40B4-BE49-F238E27FC236}">
-                <a16:creationId xmlns:a16="http://schemas.microsoft.com/office/drawing/2014/main" id="{1E47EB7F-E3E2-ADFE-8014-DAC494D92E83}"/>
+                <a16:creationId xmlns:a16="http://schemas.microsoft.com/office/drawing/2014/main" id="{9C958E1E-99E3-95A4-2863-2ED727131112}"/>
               </a:ext>
             </a:extLst>
           </p:cNvPr>
@@ -2699,7 +2699,7 @@
           <p:cNvPr id="7" name="灯片编号占位符 6">
             <a:extLst>
               <a:ext uri="{FF2B5EF4-FFF2-40B4-BE49-F238E27FC236}">
-                <a16:creationId xmlns:a16="http://schemas.microsoft.com/office/drawing/2014/main" id="{B9473AC9-27CA-DC03-1094-CF4F7045DD38}"/>
+                <a16:creationId xmlns:a16="http://schemas.microsoft.com/office/drawing/2014/main" id="{E3554414-A7F6-F44D-4472-FABBCDA37D20}"/>
               </a:ext>
             </a:extLst>
           </p:cNvPr>
@@ -2715,7 +2715,7 @@
           <a:bodyPr/>
           <a:lstStyle/>
           <a:p>
-            <a:fld id="{0E39D8F5-2C62-4ADF-B500-9C9026BF69EB}" type="slidenum">
+            <a:fld id="{772E7358-EB31-4A96-B3EB-628E302962A0}" type="slidenum">
               <a:rPr lang="zh-CN" altLang="en-US" smtClean="0"/>
               <a:t>‹#›</a:t>
             </a:fld>
@@ -2726,7 +2726,7 @@
     </p:spTree>
     <p:extLst>
       <p:ext uri="{BB962C8B-B14F-4D97-AF65-F5344CB8AC3E}">
-        <p14:creationId xmlns:p14="http://schemas.microsoft.com/office/powerpoint/2010/main" val="897412383"/>
+        <p14:creationId xmlns:p14="http://schemas.microsoft.com/office/powerpoint/2010/main" val="1666305264"/>
       </p:ext>
     </p:extLst>
   </p:cSld>
@@ -2763,7 +2763,7 @@
           <p:cNvPr id="2" name="标题占位符 1">
             <a:extLst>
               <a:ext uri="{FF2B5EF4-FFF2-40B4-BE49-F238E27FC236}">
-                <a16:creationId xmlns:a16="http://schemas.microsoft.com/office/drawing/2014/main" id="{95100AE6-4F67-24BB-B72B-5198938AC575}"/>
+                <a16:creationId xmlns:a16="http://schemas.microsoft.com/office/drawing/2014/main" id="{40ADD44C-A76D-A739-A876-EE5C214D3B59}"/>
               </a:ext>
             </a:extLst>
           </p:cNvPr>
@@ -2801,7 +2801,7 @@
           <p:cNvPr id="3" name="文本占位符 2">
             <a:extLst>
               <a:ext uri="{FF2B5EF4-FFF2-40B4-BE49-F238E27FC236}">
-                <a16:creationId xmlns:a16="http://schemas.microsoft.com/office/drawing/2014/main" id="{22676D1E-64C8-06F5-0502-DB88EDA9094A}"/>
+                <a16:creationId xmlns:a16="http://schemas.microsoft.com/office/drawing/2014/main" id="{26337AD4-96EA-0BF6-259F-5F138A25C174}"/>
               </a:ext>
             </a:extLst>
           </p:cNvPr>
@@ -2868,7 +2868,7 @@
           <p:cNvPr id="4" name="日期占位符 3">
             <a:extLst>
               <a:ext uri="{FF2B5EF4-FFF2-40B4-BE49-F238E27FC236}">
-                <a16:creationId xmlns:a16="http://schemas.microsoft.com/office/drawing/2014/main" id="{F47A6B17-E736-B3AB-F7DF-BDE66536A4AE}"/>
+                <a16:creationId xmlns:a16="http://schemas.microsoft.com/office/drawing/2014/main" id="{672BC09A-E08E-E95C-8EE2-E79598FBE58E}"/>
               </a:ext>
             </a:extLst>
           </p:cNvPr>
@@ -2902,7 +2902,7 @@
             </a:lvl1pPr>
           </a:lstStyle>
           <a:p>
-            <a:fld id="{E6B394AB-3116-432A-A8F2-1161693CFFD1}" type="datetimeFigureOut">
+            <a:fld id="{FA3C567C-87BE-4712-96F4-FE79B5E91CCF}" type="datetimeFigureOut">
               <a:rPr lang="zh-CN" altLang="en-US" smtClean="0"/>
               <a:t>2024/3/10</a:t>
             </a:fld>
@@ -2915,7 +2915,7 @@
           <p:cNvPr id="5" name="页脚占位符 4">
             <a:extLst>
               <a:ext uri="{FF2B5EF4-FFF2-40B4-BE49-F238E27FC236}">
-                <a16:creationId xmlns:a16="http://schemas.microsoft.com/office/drawing/2014/main" id="{306E8715-917E-1B61-7408-FC074D964C3E}"/>
+                <a16:creationId xmlns:a16="http://schemas.microsoft.com/office/drawing/2014/main" id="{02A4BFFA-6280-1E2B-0BD4-DBE5742774E7}"/>
               </a:ext>
             </a:extLst>
           </p:cNvPr>
@@ -2958,7 +2958,7 @@
           <p:cNvPr id="6" name="灯片编号占位符 5">
             <a:extLst>
               <a:ext uri="{FF2B5EF4-FFF2-40B4-BE49-F238E27FC236}">
-                <a16:creationId xmlns:a16="http://schemas.microsoft.com/office/drawing/2014/main" id="{6DD3ADFF-D96B-3D79-295B-8430B15618F9}"/>
+                <a16:creationId xmlns:a16="http://schemas.microsoft.com/office/drawing/2014/main" id="{0A30D4A6-4405-E2FB-355D-75147A8CC7A4}"/>
               </a:ext>
             </a:extLst>
           </p:cNvPr>
@@ -2992,7 +2992,7 @@
             </a:lvl1pPr>
           </a:lstStyle>
           <a:p>
-            <a:fld id="{0E39D8F5-2C62-4ADF-B500-9C9026BF69EB}" type="slidenum">
+            <a:fld id="{772E7358-EB31-4A96-B3EB-628E302962A0}" type="slidenum">
               <a:rPr lang="zh-CN" altLang="en-US" smtClean="0"/>
               <a:t>‹#›</a:t>
             </a:fld>
@@ -3003,7 +3003,7 @@
     </p:spTree>
     <p:extLst>
       <p:ext uri="{BB962C8B-B14F-4D97-AF65-F5344CB8AC3E}">
-        <p14:creationId xmlns:p14="http://schemas.microsoft.com/office/powerpoint/2010/main" val="3056618273"/>
+        <p14:creationId xmlns:p14="http://schemas.microsoft.com/office/powerpoint/2010/main" val="1522558790"/>
       </p:ext>
     </p:extLst>
   </p:cSld>
@@ -3323,7 +3323,7 @@
       </p:grpSpPr>
       <p:pic>
         <p:nvPicPr>
-          <p:cNvPr id="1246210" name="Picture 2" descr="1216"/>
+          <p:cNvPr id="1247234" name="Picture 2" descr="1217"/>
           <p:cNvPicPr>
             <a:picLocks noChangeAspect="1" noChangeArrowheads="1"/>
           </p:cNvPicPr>
@@ -3345,7 +3345,7 @@
         <p:spPr bwMode="auto">
           <a:xfrm>
             <a:off x="1524000" y="1"/>
-            <a:ext cx="9124950" cy="6843713"/>
+            <a:ext cx="9144000" cy="5300663"/>
           </a:xfrm>
           <a:prstGeom prst="rect">
             <a:avLst/>
